--- a/readme-media/readme-images.pptx
+++ b/readme-media/readme-images.pptx
@@ -9,6 +9,7 @@
     <p:sldId id="257" r:id="rId3"/>
     <p:sldId id="258" r:id="rId4"/>
     <p:sldId id="259" r:id="rId5"/>
+    <p:sldId id="260" r:id="rId6"/>
   </p:sldIdLst>
   <p:sldSz cx="12192000" cy="6858000"/>
   <p:notesSz cx="6858000" cy="9144000"/>
@@ -107,7 +108,16 @@
       </a:defRPr>
     </a:lvl9pPr>
   </p:defaultTextStyle>
+  <p:extLst>
+    <p:ext uri="{EFAFB233-063F-42B5-8137-9DF3F51BA10A}">
+      <p15:sldGuideLst xmlns:p15="http://schemas.microsoft.com/office/powerpoint/2012/main"/>
+    </p:ext>
+  </p:extLst>
 </p:presentation>
+</file>
+
+<file path=ppt/revisionInfo.xml><?xml version="1.0" encoding="utf-8"?>
+<p1510:revInfo xmlns:a="http://schemas.openxmlformats.org/drawingml/2006/main" xmlns:r="http://schemas.openxmlformats.org/officeDocument/2006/relationships" xmlns:p1510="http://schemas.microsoft.com/office/powerpoint/2015/10/main"/>
 </file>
 
 <file path=ppt/slideLayouts/slideLayout1.xml><?xml version="1.0" encoding="utf-8"?>
@@ -239,7 +249,7 @@
           <a:p>
             <a:fld id="{067B5E31-E8F3-449B-B25B-9F6E0250B3B6}" type="datetimeFigureOut">
               <a:rPr lang="es-ES" smtClean="0"/>
-              <a:t>07/05/2017</a:t>
+              <a:t>09/05/2017</a:t>
             </a:fld>
             <a:endParaRPr lang="es-ES"/>
           </a:p>
@@ -407,7 +417,7 @@
           <a:p>
             <a:fld id="{067B5E31-E8F3-449B-B25B-9F6E0250B3B6}" type="datetimeFigureOut">
               <a:rPr lang="es-ES" smtClean="0"/>
-              <a:t>07/05/2017</a:t>
+              <a:t>09/05/2017</a:t>
             </a:fld>
             <a:endParaRPr lang="es-ES"/>
           </a:p>
@@ -585,7 +595,7 @@
           <a:p>
             <a:fld id="{067B5E31-E8F3-449B-B25B-9F6E0250B3B6}" type="datetimeFigureOut">
               <a:rPr lang="es-ES" smtClean="0"/>
-              <a:t>07/05/2017</a:t>
+              <a:t>09/05/2017</a:t>
             </a:fld>
             <a:endParaRPr lang="es-ES"/>
           </a:p>
@@ -753,7 +763,7 @@
           <a:p>
             <a:fld id="{067B5E31-E8F3-449B-B25B-9F6E0250B3B6}" type="datetimeFigureOut">
               <a:rPr lang="es-ES" smtClean="0"/>
-              <a:t>07/05/2017</a:t>
+              <a:t>09/05/2017</a:t>
             </a:fld>
             <a:endParaRPr lang="es-ES"/>
           </a:p>
@@ -998,7 +1008,7 @@
           <a:p>
             <a:fld id="{067B5E31-E8F3-449B-B25B-9F6E0250B3B6}" type="datetimeFigureOut">
               <a:rPr lang="es-ES" smtClean="0"/>
-              <a:t>07/05/2017</a:t>
+              <a:t>09/05/2017</a:t>
             </a:fld>
             <a:endParaRPr lang="es-ES"/>
           </a:p>
@@ -1227,7 +1237,7 @@
           <a:p>
             <a:fld id="{067B5E31-E8F3-449B-B25B-9F6E0250B3B6}" type="datetimeFigureOut">
               <a:rPr lang="es-ES" smtClean="0"/>
-              <a:t>07/05/2017</a:t>
+              <a:t>09/05/2017</a:t>
             </a:fld>
             <a:endParaRPr lang="es-ES"/>
           </a:p>
@@ -1591,7 +1601,7 @@
           <a:p>
             <a:fld id="{067B5E31-E8F3-449B-B25B-9F6E0250B3B6}" type="datetimeFigureOut">
               <a:rPr lang="es-ES" smtClean="0"/>
-              <a:t>07/05/2017</a:t>
+              <a:t>09/05/2017</a:t>
             </a:fld>
             <a:endParaRPr lang="es-ES"/>
           </a:p>
@@ -1708,7 +1718,7 @@
           <a:p>
             <a:fld id="{067B5E31-E8F3-449B-B25B-9F6E0250B3B6}" type="datetimeFigureOut">
               <a:rPr lang="es-ES" smtClean="0"/>
-              <a:t>07/05/2017</a:t>
+              <a:t>09/05/2017</a:t>
             </a:fld>
             <a:endParaRPr lang="es-ES"/>
           </a:p>
@@ -1803,7 +1813,7 @@
           <a:p>
             <a:fld id="{067B5E31-E8F3-449B-B25B-9F6E0250B3B6}" type="datetimeFigureOut">
               <a:rPr lang="es-ES" smtClean="0"/>
-              <a:t>07/05/2017</a:t>
+              <a:t>09/05/2017</a:t>
             </a:fld>
             <a:endParaRPr lang="es-ES"/>
           </a:p>
@@ -2078,7 +2088,7 @@
           <a:p>
             <a:fld id="{067B5E31-E8F3-449B-B25B-9F6E0250B3B6}" type="datetimeFigureOut">
               <a:rPr lang="es-ES" smtClean="0"/>
-              <a:t>07/05/2017</a:t>
+              <a:t>09/05/2017</a:t>
             </a:fld>
             <a:endParaRPr lang="es-ES"/>
           </a:p>
@@ -2330,7 +2340,7 @@
           <a:p>
             <a:fld id="{067B5E31-E8F3-449B-B25B-9F6E0250B3B6}" type="datetimeFigureOut">
               <a:rPr lang="es-ES" smtClean="0"/>
-              <a:t>07/05/2017</a:t>
+              <a:t>09/05/2017</a:t>
             </a:fld>
             <a:endParaRPr lang="es-ES"/>
           </a:p>
@@ -2541,7 +2551,7 @@
           <a:p>
             <a:fld id="{067B5E31-E8F3-449B-B25B-9F6E0250B3B6}" type="datetimeFigureOut">
               <a:rPr lang="es-ES" smtClean="0"/>
-              <a:t>07/05/2017</a:t>
+              <a:t>09/05/2017</a:t>
             </a:fld>
             <a:endParaRPr lang="es-ES"/>
           </a:p>
@@ -4136,8 +4146,8 @@
           <a:chExt cx="0" cy="0"/>
         </a:xfrm>
       </p:grpSpPr>
-      <mc:AlternateContent xmlns:mc="http://schemas.openxmlformats.org/markup-compatibility/2006">
-        <mc:Choice xmlns:a14="http://schemas.microsoft.com/office/drawing/2010/main" Requires="a14">
+      <mc:AlternateContent xmlns:mc="http://schemas.openxmlformats.org/markup-compatibility/2006" xmlns:a14="http://schemas.microsoft.com/office/drawing/2010/main">
+        <mc:Choice Requires="a14">
           <p:sp>
             <p:nvSpPr>
               <p:cNvPr id="4" name="CuadroTexto 3"/>
@@ -5084,15 +5094,7 @@
                               <a:ea typeface="Calibri" panose="020F0502020204030204" pitchFamily="34" charset="0"/>
                               <a:cs typeface="Times New Roman" panose="02020603050405020304" pitchFamily="18" charset="0"/>
                             </a:rPr>
-                            <m:t> +</m:t>
-                          </m:r>
-                          <m:r>
-                            <a:rPr lang="es-ES" b="1" i="1" smtClean="0">
-                              <a:latin typeface="Cambria Math" panose="02040503050406030204" pitchFamily="18" charset="0"/>
-                              <a:ea typeface="Calibri" panose="020F0502020204030204" pitchFamily="34" charset="0"/>
-                              <a:cs typeface="Times New Roman" panose="02020603050405020304" pitchFamily="18" charset="0"/>
-                            </a:rPr>
-                            <m:t> </m:t>
+                            <m:t> + </m:t>
                           </m:r>
                           <m:r>
                             <a:rPr lang="en-US" b="1" i="1">
@@ -5369,7 +5371,6 @@
                 <a:endParaRPr lang="en-US" dirty="0"/>
               </a:p>
               <a:p>
-                <a:pPr/>
                 <a:endParaRPr lang="en-US" dirty="0"/>
               </a:p>
               <a:p>
@@ -5427,13 +5428,7 @@
                         <a:rPr lang="es-ES" b="0" i="1" smtClean="0">
                           <a:latin typeface="Cambria Math" panose="02040503050406030204" pitchFamily="18" charset="0"/>
                         </a:rPr>
-                        <m:t>=0.8</m:t>
-                      </m:r>
-                      <m:r>
-                        <a:rPr lang="es-ES" b="0" i="1" smtClean="0">
-                          <a:latin typeface="Cambria Math" panose="02040503050406030204" pitchFamily="18" charset="0"/>
-                        </a:rPr>
-                        <m:t>69</m:t>
+                        <m:t>=0.869</m:t>
                       </m:r>
                     </m:oMath>
                   </m:oMathPara>
@@ -5441,13 +5436,12 @@
                 <a:endParaRPr lang="en-US" dirty="0"/>
               </a:p>
               <a:p>
-                <a:pPr/>
                 <a:endParaRPr lang="en-US" dirty="0"/>
               </a:p>
             </p:txBody>
           </p:sp>
         </mc:Choice>
-        <mc:Fallback>
+        <mc:Fallback xmlns="">
           <p:sp>
             <p:nvSpPr>
               <p:cNvPr id="4" name="CuadroTexto 3"/>
@@ -5622,6 +5616,60 @@
     <p:extLst>
       <p:ext uri="{BB962C8B-B14F-4D97-AF65-F5344CB8AC3E}">
         <p14:creationId xmlns:p14="http://schemas.microsoft.com/office/powerpoint/2010/main" val="2575521748"/>
+      </p:ext>
+    </p:extLst>
+  </p:cSld>
+  <p:clrMapOvr>
+    <a:masterClrMapping/>
+  </p:clrMapOvr>
+</p:sld>
+</file>
+
+<file path=ppt/slides/slide5.xml><?xml version="1.0" encoding="utf-8"?>
+<p:sld xmlns:a="http://schemas.openxmlformats.org/drawingml/2006/main" xmlns:r="http://schemas.openxmlformats.org/officeDocument/2006/relationships" xmlns:p="http://schemas.openxmlformats.org/presentationml/2006/main">
+  <p:cSld>
+    <p:spTree>
+      <p:nvGrpSpPr>
+        <p:cNvPr id="1" name=""/>
+        <p:cNvGrpSpPr/>
+        <p:nvPr/>
+      </p:nvGrpSpPr>
+      <p:grpSpPr>
+        <a:xfrm>
+          <a:off x="0" y="0"/>
+          <a:ext cx="0" cy="0"/>
+          <a:chOff x="0" y="0"/>
+          <a:chExt cx="0" cy="0"/>
+        </a:xfrm>
+      </p:grpSpPr>
+      <p:pic>
+        <p:nvPicPr>
+          <p:cNvPr id="4" name="Imagen 3"/>
+          <p:cNvPicPr>
+            <a:picLocks noChangeAspect="1"/>
+          </p:cNvPicPr>
+          <p:nvPr/>
+        </p:nvPicPr>
+        <p:blipFill>
+          <a:blip r:embed="rId2"/>
+          <a:stretch>
+            <a:fillRect/>
+          </a:stretch>
+        </p:blipFill>
+        <p:spPr>
+          <a:xfrm>
+            <a:off x="0" y="0"/>
+            <a:ext cx="11826100" cy="6858000"/>
+          </a:xfrm>
+          <a:prstGeom prst="rect">
+            <a:avLst/>
+          </a:prstGeom>
+        </p:spPr>
+      </p:pic>
+    </p:spTree>
+    <p:extLst>
+      <p:ext uri="{BB962C8B-B14F-4D97-AF65-F5344CB8AC3E}">
+        <p14:creationId xmlns:p14="http://schemas.microsoft.com/office/powerpoint/2010/main" val="807102364"/>
       </p:ext>
     </p:extLst>
   </p:cSld>

--- a/readme-media/readme-images.pptx
+++ b/readme-media/readme-images.pptx
@@ -10,6 +10,7 @@
     <p:sldId id="258" r:id="rId4"/>
     <p:sldId id="259" r:id="rId5"/>
     <p:sldId id="260" r:id="rId6"/>
+    <p:sldId id="261" r:id="rId7"/>
   </p:sldIdLst>
   <p:sldSz cx="12192000" cy="6858000"/>
   <p:notesSz cx="6858000" cy="9144000"/>
@@ -5679,6 +5680,84 @@
 </p:sld>
 </file>
 
+<file path=ppt/slides/slide6.xml><?xml version="1.0" encoding="utf-8"?>
+<p:sld xmlns:a="http://schemas.openxmlformats.org/drawingml/2006/main" xmlns:r="http://schemas.openxmlformats.org/officeDocument/2006/relationships" xmlns:p="http://schemas.openxmlformats.org/presentationml/2006/main">
+  <p:cSld>
+    <p:spTree>
+      <p:nvGrpSpPr>
+        <p:cNvPr id="1" name=""/>
+        <p:cNvGrpSpPr/>
+        <p:nvPr/>
+      </p:nvGrpSpPr>
+      <p:grpSpPr>
+        <a:xfrm>
+          <a:off x="0" y="0"/>
+          <a:ext cx="0" cy="0"/>
+          <a:chOff x="0" y="0"/>
+          <a:chExt cx="0" cy="0"/>
+        </a:xfrm>
+      </p:grpSpPr>
+      <p:pic>
+        <p:nvPicPr>
+          <p:cNvPr id="4" name="Imagen 3"/>
+          <p:cNvPicPr>
+            <a:picLocks noChangeAspect="1"/>
+          </p:cNvPicPr>
+          <p:nvPr/>
+        </p:nvPicPr>
+        <p:blipFill>
+          <a:blip r:embed="rId2"/>
+          <a:stretch>
+            <a:fillRect/>
+          </a:stretch>
+        </p:blipFill>
+        <p:spPr>
+          <a:xfrm>
+            <a:off x="0" y="0"/>
+            <a:ext cx="11049000" cy="1685925"/>
+          </a:xfrm>
+          <a:prstGeom prst="rect">
+            <a:avLst/>
+          </a:prstGeom>
+        </p:spPr>
+      </p:pic>
+      <p:pic>
+        <p:nvPicPr>
+          <p:cNvPr id="5" name="Imagen 4"/>
+          <p:cNvPicPr>
+            <a:picLocks noChangeAspect="1"/>
+          </p:cNvPicPr>
+          <p:nvPr/>
+        </p:nvPicPr>
+        <p:blipFill>
+          <a:blip r:embed="rId3"/>
+          <a:stretch>
+            <a:fillRect/>
+          </a:stretch>
+        </p:blipFill>
+        <p:spPr>
+          <a:xfrm>
+            <a:off x="0" y="1802303"/>
+            <a:ext cx="11049000" cy="4381500"/>
+          </a:xfrm>
+          <a:prstGeom prst="rect">
+            <a:avLst/>
+          </a:prstGeom>
+        </p:spPr>
+      </p:pic>
+    </p:spTree>
+    <p:extLst>
+      <p:ext uri="{BB962C8B-B14F-4D97-AF65-F5344CB8AC3E}">
+        <p14:creationId xmlns:p14="http://schemas.microsoft.com/office/powerpoint/2010/main" val="908779684"/>
+      </p:ext>
+    </p:extLst>
+  </p:cSld>
+  <p:clrMapOvr>
+    <a:masterClrMapping/>
+  </p:clrMapOvr>
+</p:sld>
+</file>
+
 <file path=ppt/theme/theme1.xml><?xml version="1.0" encoding="utf-8"?>
 <a:theme xmlns:a="http://schemas.openxmlformats.org/drawingml/2006/main" name="Tema de Office">
   <a:themeElements>

--- a/readme-media/readme-images.pptx
+++ b/readme-media/readme-images.pptx
@@ -11,6 +11,8 @@
     <p:sldId id="259" r:id="rId5"/>
     <p:sldId id="260" r:id="rId6"/>
     <p:sldId id="261" r:id="rId7"/>
+    <p:sldId id="262" r:id="rId8"/>
+    <p:sldId id="263" r:id="rId9"/>
   </p:sldIdLst>
   <p:sldSz cx="12192000" cy="6858000"/>
   <p:notesSz cx="6858000" cy="9144000"/>
@@ -5591,7 +5593,7 @@
       </p:grpSpPr>
       <p:pic>
         <p:nvPicPr>
-          <p:cNvPr id="4" name="Imagen 3"/>
+          <p:cNvPr id="2" name="Imagen 1"/>
           <p:cNvPicPr>
             <a:picLocks noChangeAspect="1"/>
           </p:cNvPicPr>
@@ -5606,7 +5608,7 @@
         <p:spPr>
           <a:xfrm>
             <a:off x="0" y="0"/>
-            <a:ext cx="17821275" cy="7362825"/>
+            <a:ext cx="15335250" cy="4048125"/>
           </a:xfrm>
           <a:prstGeom prst="rect">
             <a:avLst/>
@@ -5645,7 +5647,7 @@
       </p:grpSpPr>
       <p:pic>
         <p:nvPicPr>
-          <p:cNvPr id="4" name="Imagen 3"/>
+          <p:cNvPr id="2" name="Imagen 1"/>
           <p:cNvPicPr>
             <a:picLocks noChangeAspect="1"/>
           </p:cNvPicPr>
@@ -5660,7 +5662,7 @@
         <p:spPr>
           <a:xfrm>
             <a:off x="0" y="0"/>
-            <a:ext cx="11826100" cy="6858000"/>
+            <a:ext cx="15335250" cy="10410825"/>
           </a:xfrm>
           <a:prstGeom prst="rect">
             <a:avLst/>
@@ -5749,6 +5751,138 @@
     <p:extLst>
       <p:ext uri="{BB962C8B-B14F-4D97-AF65-F5344CB8AC3E}">
         <p14:creationId xmlns:p14="http://schemas.microsoft.com/office/powerpoint/2010/main" val="908779684"/>
+      </p:ext>
+    </p:extLst>
+  </p:cSld>
+  <p:clrMapOvr>
+    <a:masterClrMapping/>
+  </p:clrMapOvr>
+</p:sld>
+</file>
+
+<file path=ppt/slides/slide7.xml><?xml version="1.0" encoding="utf-8"?>
+<p:sld xmlns:a="http://schemas.openxmlformats.org/drawingml/2006/main" xmlns:r="http://schemas.openxmlformats.org/officeDocument/2006/relationships" xmlns:p="http://schemas.openxmlformats.org/presentationml/2006/main">
+  <p:cSld>
+    <p:spTree>
+      <p:nvGrpSpPr>
+        <p:cNvPr id="1" name=""/>
+        <p:cNvGrpSpPr/>
+        <p:nvPr/>
+      </p:nvGrpSpPr>
+      <p:grpSpPr>
+        <a:xfrm>
+          <a:off x="0" y="0"/>
+          <a:ext cx="0" cy="0"/>
+          <a:chOff x="0" y="0"/>
+          <a:chExt cx="0" cy="0"/>
+        </a:xfrm>
+      </p:grpSpPr>
+      <p:pic>
+        <p:nvPicPr>
+          <p:cNvPr id="2" name="Imagen 1"/>
+          <p:cNvPicPr>
+            <a:picLocks noChangeAspect="1"/>
+          </p:cNvPicPr>
+          <p:nvPr/>
+        </p:nvPicPr>
+        <p:blipFill>
+          <a:blip r:embed="rId2"/>
+          <a:stretch>
+            <a:fillRect/>
+          </a:stretch>
+        </p:blipFill>
+        <p:spPr>
+          <a:xfrm>
+            <a:off x="0" y="0"/>
+            <a:ext cx="11049000" cy="1685925"/>
+          </a:xfrm>
+          <a:prstGeom prst="rect">
+            <a:avLst/>
+          </a:prstGeom>
+        </p:spPr>
+      </p:pic>
+      <p:pic>
+        <p:nvPicPr>
+          <p:cNvPr id="6" name="Imagen 5"/>
+          <p:cNvPicPr>
+            <a:picLocks noChangeAspect="1"/>
+          </p:cNvPicPr>
+          <p:nvPr/>
+        </p:nvPicPr>
+        <p:blipFill>
+          <a:blip r:embed="rId3"/>
+          <a:stretch>
+            <a:fillRect/>
+          </a:stretch>
+        </p:blipFill>
+        <p:spPr>
+          <a:xfrm>
+            <a:off x="1" y="1803515"/>
+            <a:ext cx="11049000" cy="4381500"/>
+          </a:xfrm>
+          <a:prstGeom prst="rect">
+            <a:avLst/>
+          </a:prstGeom>
+        </p:spPr>
+      </p:pic>
+    </p:spTree>
+    <p:extLst>
+      <p:ext uri="{BB962C8B-B14F-4D97-AF65-F5344CB8AC3E}">
+        <p14:creationId xmlns:p14="http://schemas.microsoft.com/office/powerpoint/2010/main" val="2606576016"/>
+      </p:ext>
+    </p:extLst>
+  </p:cSld>
+  <p:clrMapOvr>
+    <a:masterClrMapping/>
+  </p:clrMapOvr>
+</p:sld>
+</file>
+
+<file path=ppt/slides/slide8.xml><?xml version="1.0" encoding="utf-8"?>
+<p:sld xmlns:a="http://schemas.openxmlformats.org/drawingml/2006/main" xmlns:r="http://schemas.openxmlformats.org/officeDocument/2006/relationships" xmlns:p="http://schemas.openxmlformats.org/presentationml/2006/main">
+  <p:cSld>
+    <p:spTree>
+      <p:nvGrpSpPr>
+        <p:cNvPr id="1" name=""/>
+        <p:cNvGrpSpPr/>
+        <p:nvPr/>
+      </p:nvGrpSpPr>
+      <p:grpSpPr>
+        <a:xfrm>
+          <a:off x="0" y="0"/>
+          <a:ext cx="0" cy="0"/>
+          <a:chOff x="0" y="0"/>
+          <a:chExt cx="0" cy="0"/>
+        </a:xfrm>
+      </p:grpSpPr>
+      <p:pic>
+        <p:nvPicPr>
+          <p:cNvPr id="5" name="Imagen 4"/>
+          <p:cNvPicPr>
+            <a:picLocks noChangeAspect="1"/>
+          </p:cNvPicPr>
+          <p:nvPr/>
+        </p:nvPicPr>
+        <p:blipFill>
+          <a:blip r:embed="rId2"/>
+          <a:stretch>
+            <a:fillRect/>
+          </a:stretch>
+        </p:blipFill>
+        <p:spPr>
+          <a:xfrm>
+            <a:off x="0" y="0"/>
+            <a:ext cx="15335250" cy="3381375"/>
+          </a:xfrm>
+          <a:prstGeom prst="rect">
+            <a:avLst/>
+          </a:prstGeom>
+        </p:spPr>
+      </p:pic>
+    </p:spTree>
+    <p:extLst>
+      <p:ext uri="{BB962C8B-B14F-4D97-AF65-F5344CB8AC3E}">
+        <p14:creationId xmlns:p14="http://schemas.microsoft.com/office/powerpoint/2010/main" val="1147065242"/>
       </p:ext>
     </p:extLst>
   </p:cSld>

--- a/readme-media/readme-images.pptx
+++ b/readme-media/readme-images.pptx
@@ -13,6 +13,7 @@
     <p:sldId id="261" r:id="rId7"/>
     <p:sldId id="262" r:id="rId8"/>
     <p:sldId id="263" r:id="rId9"/>
+    <p:sldId id="264" r:id="rId10"/>
   </p:sldIdLst>
   <p:sldSz cx="12192000" cy="6858000"/>
   <p:notesSz cx="6858000" cy="9144000"/>
@@ -5857,7 +5858,7 @@
       </p:grpSpPr>
       <p:pic>
         <p:nvPicPr>
-          <p:cNvPr id="5" name="Imagen 4"/>
+          <p:cNvPr id="2" name="Imagen 1"/>
           <p:cNvPicPr>
             <a:picLocks noChangeAspect="1"/>
           </p:cNvPicPr>
@@ -5872,7 +5873,7 @@
         <p:spPr>
           <a:xfrm>
             <a:off x="0" y="0"/>
-            <a:ext cx="15335250" cy="3381375"/>
+            <a:ext cx="15335250" cy="3352800"/>
           </a:xfrm>
           <a:prstGeom prst="rect">
             <a:avLst/>
@@ -5883,6 +5884,60 @@
     <p:extLst>
       <p:ext uri="{BB962C8B-B14F-4D97-AF65-F5344CB8AC3E}">
         <p14:creationId xmlns:p14="http://schemas.microsoft.com/office/powerpoint/2010/main" val="1147065242"/>
+      </p:ext>
+    </p:extLst>
+  </p:cSld>
+  <p:clrMapOvr>
+    <a:masterClrMapping/>
+  </p:clrMapOvr>
+</p:sld>
+</file>
+
+<file path=ppt/slides/slide9.xml><?xml version="1.0" encoding="utf-8"?>
+<p:sld xmlns:a="http://schemas.openxmlformats.org/drawingml/2006/main" xmlns:r="http://schemas.openxmlformats.org/officeDocument/2006/relationships" xmlns:p="http://schemas.openxmlformats.org/presentationml/2006/main">
+  <p:cSld>
+    <p:spTree>
+      <p:nvGrpSpPr>
+        <p:cNvPr id="1" name=""/>
+        <p:cNvGrpSpPr/>
+        <p:nvPr/>
+      </p:nvGrpSpPr>
+      <p:grpSpPr>
+        <a:xfrm>
+          <a:off x="0" y="0"/>
+          <a:ext cx="0" cy="0"/>
+          <a:chOff x="0" y="0"/>
+          <a:chExt cx="0" cy="0"/>
+        </a:xfrm>
+      </p:grpSpPr>
+      <p:pic>
+        <p:nvPicPr>
+          <p:cNvPr id="4" name="Imagen 3"/>
+          <p:cNvPicPr>
+            <a:picLocks noChangeAspect="1"/>
+          </p:cNvPicPr>
+          <p:nvPr/>
+        </p:nvPicPr>
+        <p:blipFill>
+          <a:blip r:embed="rId2"/>
+          <a:stretch>
+            <a:fillRect/>
+          </a:stretch>
+        </p:blipFill>
+        <p:spPr>
+          <a:xfrm>
+            <a:off x="0" y="0"/>
+            <a:ext cx="15335250" cy="3352800"/>
+          </a:xfrm>
+          <a:prstGeom prst="rect">
+            <a:avLst/>
+          </a:prstGeom>
+        </p:spPr>
+      </p:pic>
+    </p:spTree>
+    <p:extLst>
+      <p:ext uri="{BB962C8B-B14F-4D97-AF65-F5344CB8AC3E}">
+        <p14:creationId xmlns:p14="http://schemas.microsoft.com/office/powerpoint/2010/main" val="848621971"/>
       </p:ext>
     </p:extLst>
   </p:cSld>

--- a/readme-media/readme-images.pptx
+++ b/readme-media/readme-images.pptx
@@ -14,6 +14,8 @@
     <p:sldId id="262" r:id="rId8"/>
     <p:sldId id="263" r:id="rId9"/>
     <p:sldId id="264" r:id="rId10"/>
+    <p:sldId id="265" r:id="rId11"/>
+    <p:sldId id="266" r:id="rId12"/>
   </p:sldIdLst>
   <p:sldSz cx="12192000" cy="6858000"/>
   <p:notesSz cx="6858000" cy="9144000"/>
@@ -253,7 +255,7 @@
           <a:p>
             <a:fld id="{067B5E31-E8F3-449B-B25B-9F6E0250B3B6}" type="datetimeFigureOut">
               <a:rPr lang="es-ES" smtClean="0"/>
-              <a:t>09/05/2017</a:t>
+              <a:t>10/05/2017</a:t>
             </a:fld>
             <a:endParaRPr lang="es-ES"/>
           </a:p>
@@ -421,7 +423,7 @@
           <a:p>
             <a:fld id="{067B5E31-E8F3-449B-B25B-9F6E0250B3B6}" type="datetimeFigureOut">
               <a:rPr lang="es-ES" smtClean="0"/>
-              <a:t>09/05/2017</a:t>
+              <a:t>10/05/2017</a:t>
             </a:fld>
             <a:endParaRPr lang="es-ES"/>
           </a:p>
@@ -599,7 +601,7 @@
           <a:p>
             <a:fld id="{067B5E31-E8F3-449B-B25B-9F6E0250B3B6}" type="datetimeFigureOut">
               <a:rPr lang="es-ES" smtClean="0"/>
-              <a:t>09/05/2017</a:t>
+              <a:t>10/05/2017</a:t>
             </a:fld>
             <a:endParaRPr lang="es-ES"/>
           </a:p>
@@ -767,7 +769,7 @@
           <a:p>
             <a:fld id="{067B5E31-E8F3-449B-B25B-9F6E0250B3B6}" type="datetimeFigureOut">
               <a:rPr lang="es-ES" smtClean="0"/>
-              <a:t>09/05/2017</a:t>
+              <a:t>10/05/2017</a:t>
             </a:fld>
             <a:endParaRPr lang="es-ES"/>
           </a:p>
@@ -1012,7 +1014,7 @@
           <a:p>
             <a:fld id="{067B5E31-E8F3-449B-B25B-9F6E0250B3B6}" type="datetimeFigureOut">
               <a:rPr lang="es-ES" smtClean="0"/>
-              <a:t>09/05/2017</a:t>
+              <a:t>10/05/2017</a:t>
             </a:fld>
             <a:endParaRPr lang="es-ES"/>
           </a:p>
@@ -1241,7 +1243,7 @@
           <a:p>
             <a:fld id="{067B5E31-E8F3-449B-B25B-9F6E0250B3B6}" type="datetimeFigureOut">
               <a:rPr lang="es-ES" smtClean="0"/>
-              <a:t>09/05/2017</a:t>
+              <a:t>10/05/2017</a:t>
             </a:fld>
             <a:endParaRPr lang="es-ES"/>
           </a:p>
@@ -1605,7 +1607,7 @@
           <a:p>
             <a:fld id="{067B5E31-E8F3-449B-B25B-9F6E0250B3B6}" type="datetimeFigureOut">
               <a:rPr lang="es-ES" smtClean="0"/>
-              <a:t>09/05/2017</a:t>
+              <a:t>10/05/2017</a:t>
             </a:fld>
             <a:endParaRPr lang="es-ES"/>
           </a:p>
@@ -1722,7 +1724,7 @@
           <a:p>
             <a:fld id="{067B5E31-E8F3-449B-B25B-9F6E0250B3B6}" type="datetimeFigureOut">
               <a:rPr lang="es-ES" smtClean="0"/>
-              <a:t>09/05/2017</a:t>
+              <a:t>10/05/2017</a:t>
             </a:fld>
             <a:endParaRPr lang="es-ES"/>
           </a:p>
@@ -1817,7 +1819,7 @@
           <a:p>
             <a:fld id="{067B5E31-E8F3-449B-B25B-9F6E0250B3B6}" type="datetimeFigureOut">
               <a:rPr lang="es-ES" smtClean="0"/>
-              <a:t>09/05/2017</a:t>
+              <a:t>10/05/2017</a:t>
             </a:fld>
             <a:endParaRPr lang="es-ES"/>
           </a:p>
@@ -2092,7 +2094,7 @@
           <a:p>
             <a:fld id="{067B5E31-E8F3-449B-B25B-9F6E0250B3B6}" type="datetimeFigureOut">
               <a:rPr lang="es-ES" smtClean="0"/>
-              <a:t>09/05/2017</a:t>
+              <a:t>10/05/2017</a:t>
             </a:fld>
             <a:endParaRPr lang="es-ES"/>
           </a:p>
@@ -2344,7 +2346,7 @@
           <a:p>
             <a:fld id="{067B5E31-E8F3-449B-B25B-9F6E0250B3B6}" type="datetimeFigureOut">
               <a:rPr lang="es-ES" smtClean="0"/>
-              <a:t>09/05/2017</a:t>
+              <a:t>10/05/2017</a:t>
             </a:fld>
             <a:endParaRPr lang="es-ES"/>
           </a:p>
@@ -2555,7 +2557,7 @@
           <a:p>
             <a:fld id="{067B5E31-E8F3-449B-B25B-9F6E0250B3B6}" type="datetimeFigureOut">
               <a:rPr lang="es-ES" smtClean="0"/>
-              <a:t>09/05/2017</a:t>
+              <a:t>10/05/2017</a:t>
             </a:fld>
             <a:endParaRPr lang="es-ES"/>
           </a:p>
@@ -4133,6 +4135,210 @@
 </p:sld>
 </file>
 
+<file path=ppt/slides/slide10.xml><?xml version="1.0" encoding="utf-8"?>
+<p:sld xmlns:a="http://schemas.openxmlformats.org/drawingml/2006/main" xmlns:r="http://schemas.openxmlformats.org/officeDocument/2006/relationships" xmlns:p="http://schemas.openxmlformats.org/presentationml/2006/main">
+  <p:cSld>
+    <p:spTree>
+      <p:nvGrpSpPr>
+        <p:cNvPr id="1" name=""/>
+        <p:cNvGrpSpPr/>
+        <p:nvPr/>
+      </p:nvGrpSpPr>
+      <p:grpSpPr>
+        <a:xfrm>
+          <a:off x="0" y="0"/>
+          <a:ext cx="0" cy="0"/>
+          <a:chOff x="0" y="0"/>
+          <a:chExt cx="0" cy="0"/>
+        </a:xfrm>
+      </p:grpSpPr>
+      <p:pic>
+        <p:nvPicPr>
+          <p:cNvPr id="4" name="Imagen 3"/>
+          <p:cNvPicPr>
+            <a:picLocks noChangeAspect="1"/>
+          </p:cNvPicPr>
+          <p:nvPr/>
+        </p:nvPicPr>
+        <p:blipFill>
+          <a:blip r:embed="rId2"/>
+          <a:stretch>
+            <a:fillRect/>
+          </a:stretch>
+        </p:blipFill>
+        <p:spPr>
+          <a:xfrm>
+            <a:off x="0" y="0"/>
+            <a:ext cx="11058525" cy="1762125"/>
+          </a:xfrm>
+          <a:prstGeom prst="rect">
+            <a:avLst/>
+          </a:prstGeom>
+        </p:spPr>
+      </p:pic>
+      <p:pic>
+        <p:nvPicPr>
+          <p:cNvPr id="5" name="Imagen 4"/>
+          <p:cNvPicPr>
+            <a:picLocks noChangeAspect="1"/>
+          </p:cNvPicPr>
+          <p:nvPr/>
+        </p:nvPicPr>
+        <p:blipFill>
+          <a:blip r:embed="rId3"/>
+          <a:stretch>
+            <a:fillRect/>
+          </a:stretch>
+        </p:blipFill>
+        <p:spPr>
+          <a:xfrm>
+            <a:off x="1" y="1845079"/>
+            <a:ext cx="11058524" cy="4381500"/>
+          </a:xfrm>
+          <a:prstGeom prst="rect">
+            <a:avLst/>
+          </a:prstGeom>
+        </p:spPr>
+      </p:pic>
+      <p:pic>
+        <p:nvPicPr>
+          <p:cNvPr id="6" name="Imagen 5"/>
+          <p:cNvPicPr>
+            <a:picLocks noChangeAspect="1"/>
+          </p:cNvPicPr>
+          <p:nvPr/>
+        </p:nvPicPr>
+        <p:blipFill>
+          <a:blip r:embed="rId4"/>
+          <a:stretch>
+            <a:fillRect/>
+          </a:stretch>
+        </p:blipFill>
+        <p:spPr>
+          <a:xfrm>
+            <a:off x="-1" y="6309533"/>
+            <a:ext cx="11058526" cy="4371975"/>
+          </a:xfrm>
+          <a:prstGeom prst="rect">
+            <a:avLst/>
+          </a:prstGeom>
+        </p:spPr>
+      </p:pic>
+    </p:spTree>
+    <p:extLst>
+      <p:ext uri="{BB962C8B-B14F-4D97-AF65-F5344CB8AC3E}">
+        <p14:creationId xmlns:p14="http://schemas.microsoft.com/office/powerpoint/2010/main" val="1304706148"/>
+      </p:ext>
+    </p:extLst>
+  </p:cSld>
+  <p:clrMapOvr>
+    <a:masterClrMapping/>
+  </p:clrMapOvr>
+</p:sld>
+</file>
+
+<file path=ppt/slides/slide11.xml><?xml version="1.0" encoding="utf-8"?>
+<p:sld xmlns:a="http://schemas.openxmlformats.org/drawingml/2006/main" xmlns:r="http://schemas.openxmlformats.org/officeDocument/2006/relationships" xmlns:p="http://schemas.openxmlformats.org/presentationml/2006/main">
+  <p:cSld>
+    <p:spTree>
+      <p:nvGrpSpPr>
+        <p:cNvPr id="1" name=""/>
+        <p:cNvGrpSpPr/>
+        <p:nvPr/>
+      </p:nvGrpSpPr>
+      <p:grpSpPr>
+        <a:xfrm>
+          <a:off x="0" y="0"/>
+          <a:ext cx="0" cy="0"/>
+          <a:chOff x="0" y="0"/>
+          <a:chExt cx="0" cy="0"/>
+        </a:xfrm>
+      </p:grpSpPr>
+      <p:pic>
+        <p:nvPicPr>
+          <p:cNvPr id="2" name="Imagen 1"/>
+          <p:cNvPicPr>
+            <a:picLocks noChangeAspect="1"/>
+          </p:cNvPicPr>
+          <p:nvPr/>
+        </p:nvPicPr>
+        <p:blipFill>
+          <a:blip r:embed="rId2"/>
+          <a:stretch>
+            <a:fillRect/>
+          </a:stretch>
+        </p:blipFill>
+        <p:spPr>
+          <a:xfrm>
+            <a:off x="0" y="0"/>
+            <a:ext cx="11058525" cy="1762125"/>
+          </a:xfrm>
+          <a:prstGeom prst="rect">
+            <a:avLst/>
+          </a:prstGeom>
+        </p:spPr>
+      </p:pic>
+      <p:pic>
+        <p:nvPicPr>
+          <p:cNvPr id="3" name="Imagen 2"/>
+          <p:cNvPicPr>
+            <a:picLocks noChangeAspect="1"/>
+          </p:cNvPicPr>
+          <p:nvPr/>
+        </p:nvPicPr>
+        <p:blipFill>
+          <a:blip r:embed="rId3"/>
+          <a:stretch>
+            <a:fillRect/>
+          </a:stretch>
+        </p:blipFill>
+        <p:spPr>
+          <a:xfrm>
+            <a:off x="-1" y="1835554"/>
+            <a:ext cx="11058525" cy="4400550"/>
+          </a:xfrm>
+          <a:prstGeom prst="rect">
+            <a:avLst/>
+          </a:prstGeom>
+        </p:spPr>
+      </p:pic>
+      <p:pic>
+        <p:nvPicPr>
+          <p:cNvPr id="7" name="Imagen 6"/>
+          <p:cNvPicPr>
+            <a:picLocks noChangeAspect="1"/>
+          </p:cNvPicPr>
+          <p:nvPr/>
+        </p:nvPicPr>
+        <p:blipFill>
+          <a:blip r:embed="rId4"/>
+          <a:stretch>
+            <a:fillRect/>
+          </a:stretch>
+        </p:blipFill>
+        <p:spPr>
+          <a:xfrm>
+            <a:off x="-2" y="6309533"/>
+            <a:ext cx="11058525" cy="4371975"/>
+          </a:xfrm>
+          <a:prstGeom prst="rect">
+            <a:avLst/>
+          </a:prstGeom>
+        </p:spPr>
+      </p:pic>
+    </p:spTree>
+    <p:extLst>
+      <p:ext uri="{BB962C8B-B14F-4D97-AF65-F5344CB8AC3E}">
+        <p14:creationId xmlns:p14="http://schemas.microsoft.com/office/powerpoint/2010/main" val="963110110"/>
+      </p:ext>
+    </p:extLst>
+  </p:cSld>
+  <p:clrMapOvr>
+    <a:masterClrMapping/>
+  </p:clrMapOvr>
+</p:sld>
+</file>
+
 <file path=ppt/slides/slide2.xml><?xml version="1.0" encoding="utf-8"?>
 <p:sld xmlns:a="http://schemas.openxmlformats.org/drawingml/2006/main" xmlns:r="http://schemas.openxmlformats.org/officeDocument/2006/relationships" xmlns:p="http://schemas.openxmlformats.org/presentationml/2006/main">
   <p:cSld>

--- a/readme-media/readme-images.pptx
+++ b/readme-media/readme-images.pptx
@@ -16,6 +16,7 @@
     <p:sldId id="264" r:id="rId10"/>
     <p:sldId id="265" r:id="rId11"/>
     <p:sldId id="266" r:id="rId12"/>
+    <p:sldId id="267" r:id="rId13"/>
   </p:sldIdLst>
   <p:sldSz cx="12192000" cy="6858000"/>
   <p:notesSz cx="6858000" cy="9144000"/>
@@ -4339,6 +4340,108 @@
 </p:sld>
 </file>
 
+<file path=ppt/slides/slide12.xml><?xml version="1.0" encoding="utf-8"?>
+<p:sld xmlns:a="http://schemas.openxmlformats.org/drawingml/2006/main" xmlns:r="http://schemas.openxmlformats.org/officeDocument/2006/relationships" xmlns:p="http://schemas.openxmlformats.org/presentationml/2006/main">
+  <p:cSld>
+    <p:spTree>
+      <p:nvGrpSpPr>
+        <p:cNvPr id="1" name=""/>
+        <p:cNvGrpSpPr/>
+        <p:nvPr/>
+      </p:nvGrpSpPr>
+      <p:grpSpPr>
+        <a:xfrm>
+          <a:off x="0" y="0"/>
+          <a:ext cx="0" cy="0"/>
+          <a:chOff x="0" y="0"/>
+          <a:chExt cx="0" cy="0"/>
+        </a:xfrm>
+      </p:grpSpPr>
+      <p:pic>
+        <p:nvPicPr>
+          <p:cNvPr id="4" name="Imagen 3"/>
+          <p:cNvPicPr>
+            <a:picLocks noChangeAspect="1"/>
+          </p:cNvPicPr>
+          <p:nvPr/>
+        </p:nvPicPr>
+        <p:blipFill>
+          <a:blip r:embed="rId2"/>
+          <a:stretch>
+            <a:fillRect/>
+          </a:stretch>
+        </p:blipFill>
+        <p:spPr>
+          <a:xfrm>
+            <a:off x="0" y="0"/>
+            <a:ext cx="12496800" cy="1762125"/>
+          </a:xfrm>
+          <a:prstGeom prst="rect">
+            <a:avLst/>
+          </a:prstGeom>
+        </p:spPr>
+      </p:pic>
+      <p:pic>
+        <p:nvPicPr>
+          <p:cNvPr id="5" name="Imagen 4"/>
+          <p:cNvPicPr>
+            <a:picLocks noChangeAspect="1"/>
+          </p:cNvPicPr>
+          <p:nvPr/>
+        </p:nvPicPr>
+        <p:blipFill>
+          <a:blip r:embed="rId3"/>
+          <a:stretch>
+            <a:fillRect/>
+          </a:stretch>
+        </p:blipFill>
+        <p:spPr>
+          <a:xfrm>
+            <a:off x="0" y="1862251"/>
+            <a:ext cx="12496800" cy="1762125"/>
+          </a:xfrm>
+          <a:prstGeom prst="rect">
+            <a:avLst/>
+          </a:prstGeom>
+        </p:spPr>
+      </p:pic>
+      <p:pic>
+        <p:nvPicPr>
+          <p:cNvPr id="6" name="Imagen 5"/>
+          <p:cNvPicPr>
+            <a:picLocks noChangeAspect="1"/>
+          </p:cNvPicPr>
+          <p:nvPr/>
+        </p:nvPicPr>
+        <p:blipFill>
+          <a:blip r:embed="rId4"/>
+          <a:stretch>
+            <a:fillRect/>
+          </a:stretch>
+        </p:blipFill>
+        <p:spPr>
+          <a:xfrm>
+            <a:off x="0" y="3724502"/>
+            <a:ext cx="12496800" cy="1762125"/>
+          </a:xfrm>
+          <a:prstGeom prst="rect">
+            <a:avLst/>
+          </a:prstGeom>
+        </p:spPr>
+      </p:pic>
+    </p:spTree>
+    <p:extLst>
+      <p:ext uri="{BB962C8B-B14F-4D97-AF65-F5344CB8AC3E}">
+        <p14:creationId xmlns:p14="http://schemas.microsoft.com/office/powerpoint/2010/main" val="1958802159"/>
+      </p:ext>
+    </p:extLst>
+  </p:cSld>
+  <p:clrMapOvr>
+    <a:masterClrMapping/>
+  </p:clrMapOvr>
+</p:sld>
+</file>
+
 <file path=ppt/slides/slide2.xml><?xml version="1.0" encoding="utf-8"?>
 <p:sld xmlns:a="http://schemas.openxmlformats.org/drawingml/2006/main" xmlns:r="http://schemas.openxmlformats.org/officeDocument/2006/relationships" xmlns:p="http://schemas.openxmlformats.org/presentationml/2006/main">
   <p:cSld>

--- a/readme-media/readme-images.pptx
+++ b/readme-media/readme-images.pptx
@@ -17,6 +17,7 @@
     <p:sldId id="265" r:id="rId11"/>
     <p:sldId id="266" r:id="rId12"/>
     <p:sldId id="267" r:id="rId13"/>
+    <p:sldId id="268" r:id="rId14"/>
   </p:sldIdLst>
   <p:sldSz cx="12192000" cy="6858000"/>
   <p:notesSz cx="6858000" cy="9144000"/>
@@ -4442,6 +4443,108 @@
 </p:sld>
 </file>
 
+<file path=ppt/slides/slide13.xml><?xml version="1.0" encoding="utf-8"?>
+<p:sld xmlns:a="http://schemas.openxmlformats.org/drawingml/2006/main" xmlns:r="http://schemas.openxmlformats.org/officeDocument/2006/relationships" xmlns:p="http://schemas.openxmlformats.org/presentationml/2006/main">
+  <p:cSld>
+    <p:spTree>
+      <p:nvGrpSpPr>
+        <p:cNvPr id="1" name=""/>
+        <p:cNvGrpSpPr/>
+        <p:nvPr/>
+      </p:nvGrpSpPr>
+      <p:grpSpPr>
+        <a:xfrm>
+          <a:off x="0" y="0"/>
+          <a:ext cx="0" cy="0"/>
+          <a:chOff x="0" y="0"/>
+          <a:chExt cx="0" cy="0"/>
+        </a:xfrm>
+      </p:grpSpPr>
+      <p:pic>
+        <p:nvPicPr>
+          <p:cNvPr id="4" name="Imagen 3"/>
+          <p:cNvPicPr>
+            <a:picLocks noChangeAspect="1"/>
+          </p:cNvPicPr>
+          <p:nvPr/>
+        </p:nvPicPr>
+        <p:blipFill>
+          <a:blip r:embed="rId2"/>
+          <a:stretch>
+            <a:fillRect/>
+          </a:stretch>
+        </p:blipFill>
+        <p:spPr>
+          <a:xfrm>
+            <a:off x="0" y="0"/>
+            <a:ext cx="18154650" cy="4114800"/>
+          </a:xfrm>
+          <a:prstGeom prst="rect">
+            <a:avLst/>
+          </a:prstGeom>
+        </p:spPr>
+      </p:pic>
+      <p:pic>
+        <p:nvPicPr>
+          <p:cNvPr id="5" name="Imagen 4"/>
+          <p:cNvPicPr>
+            <a:picLocks noChangeAspect="1"/>
+          </p:cNvPicPr>
+          <p:nvPr/>
+        </p:nvPicPr>
+        <p:blipFill>
+          <a:blip r:embed="rId3"/>
+          <a:stretch>
+            <a:fillRect/>
+          </a:stretch>
+        </p:blipFill>
+        <p:spPr>
+          <a:xfrm>
+            <a:off x="0" y="4241885"/>
+            <a:ext cx="18154650" cy="4114800"/>
+          </a:xfrm>
+          <a:prstGeom prst="rect">
+            <a:avLst/>
+          </a:prstGeom>
+        </p:spPr>
+      </p:pic>
+      <p:pic>
+        <p:nvPicPr>
+          <p:cNvPr id="6" name="Imagen 5"/>
+          <p:cNvPicPr>
+            <a:picLocks noChangeAspect="1"/>
+          </p:cNvPicPr>
+          <p:nvPr/>
+        </p:nvPicPr>
+        <p:blipFill>
+          <a:blip r:embed="rId4"/>
+          <a:stretch>
+            <a:fillRect/>
+          </a:stretch>
+        </p:blipFill>
+        <p:spPr>
+          <a:xfrm>
+            <a:off x="0" y="8483770"/>
+            <a:ext cx="18154650" cy="4114800"/>
+          </a:xfrm>
+          <a:prstGeom prst="rect">
+            <a:avLst/>
+          </a:prstGeom>
+        </p:spPr>
+      </p:pic>
+    </p:spTree>
+    <p:extLst>
+      <p:ext uri="{BB962C8B-B14F-4D97-AF65-F5344CB8AC3E}">
+        <p14:creationId xmlns:p14="http://schemas.microsoft.com/office/powerpoint/2010/main" val="1534984433"/>
+      </p:ext>
+    </p:extLst>
+  </p:cSld>
+  <p:clrMapOvr>
+    <a:masterClrMapping/>
+  </p:clrMapOvr>
+</p:sld>
+</file>
+
 <file path=ppt/slides/slide2.xml><?xml version="1.0" encoding="utf-8"?>
 <p:sld xmlns:a="http://schemas.openxmlformats.org/drawingml/2006/main" xmlns:r="http://schemas.openxmlformats.org/officeDocument/2006/relationships" xmlns:p="http://schemas.openxmlformats.org/presentationml/2006/main">
   <p:cSld>

--- a/readme-media/readme-images.pptx
+++ b/readme-media/readme-images.pptx
@@ -18,6 +18,7 @@
     <p:sldId id="266" r:id="rId12"/>
     <p:sldId id="267" r:id="rId13"/>
     <p:sldId id="268" r:id="rId14"/>
+    <p:sldId id="269" r:id="rId15"/>
   </p:sldIdLst>
   <p:sldSz cx="12192000" cy="6858000"/>
   <p:notesSz cx="6858000" cy="9144000"/>
@@ -4545,6 +4546,84 @@
 </p:sld>
 </file>
 
+<file path=ppt/slides/slide14.xml><?xml version="1.0" encoding="utf-8"?>
+<p:sld xmlns:a="http://schemas.openxmlformats.org/drawingml/2006/main" xmlns:r="http://schemas.openxmlformats.org/officeDocument/2006/relationships" xmlns:p="http://schemas.openxmlformats.org/presentationml/2006/main">
+  <p:cSld>
+    <p:spTree>
+      <p:nvGrpSpPr>
+        <p:cNvPr id="1" name=""/>
+        <p:cNvGrpSpPr/>
+        <p:nvPr/>
+      </p:nvGrpSpPr>
+      <p:grpSpPr>
+        <a:xfrm>
+          <a:off x="0" y="0"/>
+          <a:ext cx="0" cy="0"/>
+          <a:chOff x="0" y="0"/>
+          <a:chExt cx="0" cy="0"/>
+        </a:xfrm>
+      </p:grpSpPr>
+      <p:pic>
+        <p:nvPicPr>
+          <p:cNvPr id="4" name="Imagen 3"/>
+          <p:cNvPicPr>
+            <a:picLocks noChangeAspect="1"/>
+          </p:cNvPicPr>
+          <p:nvPr/>
+        </p:nvPicPr>
+        <p:blipFill>
+          <a:blip r:embed="rId2"/>
+          <a:stretch>
+            <a:fillRect/>
+          </a:stretch>
+        </p:blipFill>
+        <p:spPr>
+          <a:xfrm>
+            <a:off x="0" y="0"/>
+            <a:ext cx="18154650" cy="4962525"/>
+          </a:xfrm>
+          <a:prstGeom prst="rect">
+            <a:avLst/>
+          </a:prstGeom>
+        </p:spPr>
+      </p:pic>
+      <p:pic>
+        <p:nvPicPr>
+          <p:cNvPr id="5" name="Imagen 4"/>
+          <p:cNvPicPr>
+            <a:picLocks noChangeAspect="1"/>
+          </p:cNvPicPr>
+          <p:nvPr/>
+        </p:nvPicPr>
+        <p:blipFill>
+          <a:blip r:embed="rId3"/>
+          <a:stretch>
+            <a:fillRect/>
+          </a:stretch>
+        </p:blipFill>
+        <p:spPr>
+          <a:xfrm>
+            <a:off x="0" y="5062827"/>
+            <a:ext cx="18154650" cy="4962525"/>
+          </a:xfrm>
+          <a:prstGeom prst="rect">
+            <a:avLst/>
+          </a:prstGeom>
+        </p:spPr>
+      </p:pic>
+    </p:spTree>
+    <p:extLst>
+      <p:ext uri="{BB962C8B-B14F-4D97-AF65-F5344CB8AC3E}">
+        <p14:creationId xmlns:p14="http://schemas.microsoft.com/office/powerpoint/2010/main" val="577470378"/>
+      </p:ext>
+    </p:extLst>
+  </p:cSld>
+  <p:clrMapOvr>
+    <a:masterClrMapping/>
+  </p:clrMapOvr>
+</p:sld>
+</file>
+
 <file path=ppt/slides/slide2.xml><?xml version="1.0" encoding="utf-8"?>
 <p:sld xmlns:a="http://schemas.openxmlformats.org/drawingml/2006/main" xmlns:r="http://schemas.openxmlformats.org/officeDocument/2006/relationships" xmlns:p="http://schemas.openxmlformats.org/presentationml/2006/main">
   <p:cSld>

--- a/readme-media/readme-images.pptx
+++ b/readme-media/readme-images.pptx
@@ -19,6 +19,7 @@
     <p:sldId id="267" r:id="rId13"/>
     <p:sldId id="268" r:id="rId14"/>
     <p:sldId id="269" r:id="rId15"/>
+    <p:sldId id="270" r:id="rId16"/>
   </p:sldIdLst>
   <p:sldSz cx="12192000" cy="6858000"/>
   <p:notesSz cx="6858000" cy="9144000"/>
@@ -4624,6 +4625,84 @@
 </p:sld>
 </file>
 
+<file path=ppt/slides/slide15.xml><?xml version="1.0" encoding="utf-8"?>
+<p:sld xmlns:a="http://schemas.openxmlformats.org/drawingml/2006/main" xmlns:r="http://schemas.openxmlformats.org/officeDocument/2006/relationships" xmlns:p="http://schemas.openxmlformats.org/presentationml/2006/main">
+  <p:cSld>
+    <p:spTree>
+      <p:nvGrpSpPr>
+        <p:cNvPr id="1" name=""/>
+        <p:cNvGrpSpPr/>
+        <p:nvPr/>
+      </p:nvGrpSpPr>
+      <p:grpSpPr>
+        <a:xfrm>
+          <a:off x="0" y="0"/>
+          <a:ext cx="0" cy="0"/>
+          <a:chOff x="0" y="0"/>
+          <a:chExt cx="0" cy="0"/>
+        </a:xfrm>
+      </p:grpSpPr>
+      <p:pic>
+        <p:nvPicPr>
+          <p:cNvPr id="4" name="Imagen 3"/>
+          <p:cNvPicPr>
+            <a:picLocks noChangeAspect="1"/>
+          </p:cNvPicPr>
+          <p:nvPr/>
+        </p:nvPicPr>
+        <p:blipFill>
+          <a:blip r:embed="rId2"/>
+          <a:stretch>
+            <a:fillRect/>
+          </a:stretch>
+        </p:blipFill>
+        <p:spPr>
+          <a:xfrm>
+            <a:off x="0" y="0"/>
+            <a:ext cx="9629775" cy="9791700"/>
+          </a:xfrm>
+          <a:prstGeom prst="rect">
+            <a:avLst/>
+          </a:prstGeom>
+        </p:spPr>
+      </p:pic>
+      <p:pic>
+        <p:nvPicPr>
+          <p:cNvPr id="5" name="Imagen 4"/>
+          <p:cNvPicPr>
+            <a:picLocks noChangeAspect="1"/>
+          </p:cNvPicPr>
+          <p:nvPr/>
+        </p:nvPicPr>
+        <p:blipFill>
+          <a:blip r:embed="rId3"/>
+          <a:stretch>
+            <a:fillRect/>
+          </a:stretch>
+        </p:blipFill>
+        <p:spPr>
+          <a:xfrm>
+            <a:off x="-1" y="9941668"/>
+            <a:ext cx="9629775" cy="9791700"/>
+          </a:xfrm>
+          <a:prstGeom prst="rect">
+            <a:avLst/>
+          </a:prstGeom>
+        </p:spPr>
+      </p:pic>
+    </p:spTree>
+    <p:extLst>
+      <p:ext uri="{BB962C8B-B14F-4D97-AF65-F5344CB8AC3E}">
+        <p14:creationId xmlns:p14="http://schemas.microsoft.com/office/powerpoint/2010/main" val="899280275"/>
+      </p:ext>
+    </p:extLst>
+  </p:cSld>
+  <p:clrMapOvr>
+    <a:masterClrMapping/>
+  </p:clrMapOvr>
+</p:sld>
+</file>
+
 <file path=ppt/slides/slide2.xml><?xml version="1.0" encoding="utf-8"?>
 <p:sld xmlns:a="http://schemas.openxmlformats.org/drawingml/2006/main" xmlns:r="http://schemas.openxmlformats.org/officeDocument/2006/relationships" xmlns:p="http://schemas.openxmlformats.org/presentationml/2006/main">
   <p:cSld>

--- a/readme-media/readme-images.pptx
+++ b/readme-media/readme-images.pptx
@@ -20,6 +20,7 @@
     <p:sldId id="268" r:id="rId14"/>
     <p:sldId id="269" r:id="rId15"/>
     <p:sldId id="270" r:id="rId16"/>
+    <p:sldId id="271" r:id="rId17"/>
   </p:sldIdLst>
   <p:sldSz cx="12192000" cy="6858000"/>
   <p:notesSz cx="6858000" cy="9144000"/>
@@ -4703,6 +4704,108 @@
 </p:sld>
 </file>
 
+<file path=ppt/slides/slide16.xml><?xml version="1.0" encoding="utf-8"?>
+<p:sld xmlns:a="http://schemas.openxmlformats.org/drawingml/2006/main" xmlns:r="http://schemas.openxmlformats.org/officeDocument/2006/relationships" xmlns:p="http://schemas.openxmlformats.org/presentationml/2006/main">
+  <p:cSld>
+    <p:spTree>
+      <p:nvGrpSpPr>
+        <p:cNvPr id="1" name=""/>
+        <p:cNvGrpSpPr/>
+        <p:nvPr/>
+      </p:nvGrpSpPr>
+      <p:grpSpPr>
+        <a:xfrm>
+          <a:off x="0" y="0"/>
+          <a:ext cx="0" cy="0"/>
+          <a:chOff x="0" y="0"/>
+          <a:chExt cx="0" cy="0"/>
+        </a:xfrm>
+      </p:grpSpPr>
+      <p:pic>
+        <p:nvPicPr>
+          <p:cNvPr id="4" name="Imagen 3"/>
+          <p:cNvPicPr>
+            <a:picLocks noChangeAspect="1"/>
+          </p:cNvPicPr>
+          <p:nvPr/>
+        </p:nvPicPr>
+        <p:blipFill>
+          <a:blip r:embed="rId2"/>
+          <a:stretch>
+            <a:fillRect/>
+          </a:stretch>
+        </p:blipFill>
+        <p:spPr>
+          <a:xfrm>
+            <a:off x="0" y="0"/>
+            <a:ext cx="15230475" cy="10048875"/>
+          </a:xfrm>
+          <a:prstGeom prst="rect">
+            <a:avLst/>
+          </a:prstGeom>
+        </p:spPr>
+      </p:pic>
+      <p:pic>
+        <p:nvPicPr>
+          <p:cNvPr id="5" name="Imagen 4"/>
+          <p:cNvPicPr>
+            <a:picLocks noChangeAspect="1"/>
+          </p:cNvPicPr>
+          <p:nvPr/>
+        </p:nvPicPr>
+        <p:blipFill>
+          <a:blip r:embed="rId3"/>
+          <a:stretch>
+            <a:fillRect/>
+          </a:stretch>
+        </p:blipFill>
+        <p:spPr>
+          <a:xfrm>
+            <a:off x="-1" y="10311319"/>
+            <a:ext cx="15230475" cy="10048875"/>
+          </a:xfrm>
+          <a:prstGeom prst="rect">
+            <a:avLst/>
+          </a:prstGeom>
+        </p:spPr>
+      </p:pic>
+      <p:pic>
+        <p:nvPicPr>
+          <p:cNvPr id="6" name="Imagen 5"/>
+          <p:cNvPicPr>
+            <a:picLocks noChangeAspect="1"/>
+          </p:cNvPicPr>
+          <p:nvPr/>
+        </p:nvPicPr>
+        <p:blipFill>
+          <a:blip r:embed="rId4"/>
+          <a:stretch>
+            <a:fillRect/>
+          </a:stretch>
+        </p:blipFill>
+        <p:spPr>
+          <a:xfrm>
+            <a:off x="0" y="20622638"/>
+            <a:ext cx="15230475" cy="10048875"/>
+          </a:xfrm>
+          <a:prstGeom prst="rect">
+            <a:avLst/>
+          </a:prstGeom>
+        </p:spPr>
+      </p:pic>
+    </p:spTree>
+    <p:extLst>
+      <p:ext uri="{BB962C8B-B14F-4D97-AF65-F5344CB8AC3E}">
+        <p14:creationId xmlns:p14="http://schemas.microsoft.com/office/powerpoint/2010/main" val="4211263622"/>
+      </p:ext>
+    </p:extLst>
+  </p:cSld>
+  <p:clrMapOvr>
+    <a:masterClrMapping/>
+  </p:clrMapOvr>
+</p:sld>
+</file>
+
 <file path=ppt/slides/slide2.xml><?xml version="1.0" encoding="utf-8"?>
 <p:sld xmlns:a="http://schemas.openxmlformats.org/drawingml/2006/main" xmlns:r="http://schemas.openxmlformats.org/officeDocument/2006/relationships" xmlns:p="http://schemas.openxmlformats.org/presentationml/2006/main">
   <p:cSld>
